--- a/Spring-Coding-Camp_Gallegos_L_2022.pptx
+++ b/Spring-Coding-Camp_Gallegos_L_2022.pptx
@@ -8752,7 +8752,7 @@
         </p:nvCxnSpPr>
         <p:spPr>
           <a:xfrm>
-            <a:off x="6790944" y="3328416"/>
+            <a:off x="6781005" y="3557016"/>
             <a:ext cx="0" cy="1182624"/>
           </a:xfrm>
           <a:prstGeom prst="straightConnector1">
